--- a/figures/report/experimental_paradigm.pptx
+++ b/figures/report/experimental_paradigm.pptx
@@ -107,6 +107,11 @@
       </a:defRPr>
     </a:lvl9pPr>
   </p:defaultTextStyle>
+  <p:extLst>
+    <p:ext uri="{EFAFB233-063F-42B5-8137-9DF3F51BA10A}">
+      <p15:sldGuideLst xmlns:p15="http://schemas.microsoft.com/office/powerpoint/2012/main"/>
+    </p:ext>
+  </p:extLst>
 </p:presentation>
 </file>
 
@@ -192,7 +197,7 @@
           <a:p>
             <a:fld id="{99E71BEF-A813-664B-ADBE-C77CBA880CD3}" type="datetimeFigureOut">
               <a:rPr lang="en-DE" smtClean="0"/>
-              <a:t>27.11.23</a:t>
+              <a:t>16.12.23</a:t>
             </a:fld>
             <a:endParaRPr lang="en-DE"/>
           </a:p>
@@ -693,7 +698,7 @@
           <a:p>
             <a:fld id="{2CC88A23-176A-E943-8277-82EB67C7358D}" type="datetimeFigureOut">
               <a:rPr lang="en-DE" smtClean="0"/>
-              <a:t>27.11.23</a:t>
+              <a:t>16.12.23</a:t>
             </a:fld>
             <a:endParaRPr lang="en-DE"/>
           </a:p>
@@ -893,7 +898,7 @@
           <a:p>
             <a:fld id="{2CC88A23-176A-E943-8277-82EB67C7358D}" type="datetimeFigureOut">
               <a:rPr lang="en-DE" smtClean="0"/>
-              <a:t>27.11.23</a:t>
+              <a:t>16.12.23</a:t>
             </a:fld>
             <a:endParaRPr lang="en-DE"/>
           </a:p>
@@ -1103,7 +1108,7 @@
           <a:p>
             <a:fld id="{2CC88A23-176A-E943-8277-82EB67C7358D}" type="datetimeFigureOut">
               <a:rPr lang="en-DE" smtClean="0"/>
-              <a:t>27.11.23</a:t>
+              <a:t>16.12.23</a:t>
             </a:fld>
             <a:endParaRPr lang="en-DE"/>
           </a:p>
@@ -1303,7 +1308,7 @@
           <a:p>
             <a:fld id="{2CC88A23-176A-E943-8277-82EB67C7358D}" type="datetimeFigureOut">
               <a:rPr lang="en-DE" smtClean="0"/>
-              <a:t>27.11.23</a:t>
+              <a:t>16.12.23</a:t>
             </a:fld>
             <a:endParaRPr lang="en-DE"/>
           </a:p>
@@ -1579,7 +1584,7 @@
           <a:p>
             <a:fld id="{2CC88A23-176A-E943-8277-82EB67C7358D}" type="datetimeFigureOut">
               <a:rPr lang="en-DE" smtClean="0"/>
-              <a:t>27.11.23</a:t>
+              <a:t>16.12.23</a:t>
             </a:fld>
             <a:endParaRPr lang="en-DE"/>
           </a:p>
@@ -1847,7 +1852,7 @@
           <a:p>
             <a:fld id="{2CC88A23-176A-E943-8277-82EB67C7358D}" type="datetimeFigureOut">
               <a:rPr lang="en-DE" smtClean="0"/>
-              <a:t>27.11.23</a:t>
+              <a:t>16.12.23</a:t>
             </a:fld>
             <a:endParaRPr lang="en-DE"/>
           </a:p>
@@ -2262,7 +2267,7 @@
           <a:p>
             <a:fld id="{2CC88A23-176A-E943-8277-82EB67C7358D}" type="datetimeFigureOut">
               <a:rPr lang="en-DE" smtClean="0"/>
-              <a:t>27.11.23</a:t>
+              <a:t>16.12.23</a:t>
             </a:fld>
             <a:endParaRPr lang="en-DE"/>
           </a:p>
@@ -2404,7 +2409,7 @@
           <a:p>
             <a:fld id="{2CC88A23-176A-E943-8277-82EB67C7358D}" type="datetimeFigureOut">
               <a:rPr lang="en-DE" smtClean="0"/>
-              <a:t>27.11.23</a:t>
+              <a:t>16.12.23</a:t>
             </a:fld>
             <a:endParaRPr lang="en-DE"/>
           </a:p>
@@ -2517,7 +2522,7 @@
           <a:p>
             <a:fld id="{2CC88A23-176A-E943-8277-82EB67C7358D}" type="datetimeFigureOut">
               <a:rPr lang="en-DE" smtClean="0"/>
-              <a:t>27.11.23</a:t>
+              <a:t>16.12.23</a:t>
             </a:fld>
             <a:endParaRPr lang="en-DE"/>
           </a:p>
@@ -2830,7 +2835,7 @@
           <a:p>
             <a:fld id="{2CC88A23-176A-E943-8277-82EB67C7358D}" type="datetimeFigureOut">
               <a:rPr lang="en-DE" smtClean="0"/>
-              <a:t>27.11.23</a:t>
+              <a:t>16.12.23</a:t>
             </a:fld>
             <a:endParaRPr lang="en-DE"/>
           </a:p>
@@ -3119,7 +3124,7 @@
           <a:p>
             <a:fld id="{2CC88A23-176A-E943-8277-82EB67C7358D}" type="datetimeFigureOut">
               <a:rPr lang="en-DE" smtClean="0"/>
-              <a:t>27.11.23</a:t>
+              <a:t>16.12.23</a:t>
             </a:fld>
             <a:endParaRPr lang="en-DE"/>
           </a:p>
@@ -3362,7 +3367,7 @@
           <a:p>
             <a:fld id="{2CC88A23-176A-E943-8277-82EB67C7358D}" type="datetimeFigureOut">
               <a:rPr lang="en-DE" smtClean="0"/>
-              <a:t>27.11.23</a:t>
+              <a:t>16.12.23</a:t>
             </a:fld>
             <a:endParaRPr lang="en-DE"/>
           </a:p>
@@ -6813,7 +6818,7 @@
           <a:p>
             <a:r>
               <a:rPr lang="de-DE" sz="1050" b="1" dirty="0"/>
-              <a:t>ALT</a:t>
+              <a:t>SIM</a:t>
             </a:r>
           </a:p>
         </p:txBody>
@@ -6847,8 +6852,8 @@
           <a:lstStyle/>
           <a:p>
             <a:r>
-              <a:rPr lang="de-DE" sz="1050" b="1" dirty="0"/>
-              <a:t>SIM</a:t>
+              <a:rPr lang="de-DE" sz="1050" b="1"/>
+              <a:t>ALT</a:t>
             </a:r>
             <a:endParaRPr lang="en-DE" sz="1050" b="1" dirty="0"/>
           </a:p>
